--- a/Lectures/Lec1/lec1-1.pptx
+++ b/Lectures/Lec1/lec1-1.pptx
@@ -6525,9 +6525,22 @@
               <a:t>, Thurs </a:t>
             </a:r>
             <a:r>
+              <a:rPr lang="en-US" altLang="zh-CN" dirty="0" smtClean="0"/>
+              <a:t>2</a:t>
+            </a:r>
+            <a:r>
               <a:rPr lang="en-US" dirty="0" smtClean="0"/>
-              <a:t>9:30–12:20</a:t>
-            </a:r>
+              <a:t>:30–</a:t>
+            </a:r>
+            <a:r>
+              <a:rPr lang="en-US" altLang="zh-CN" dirty="0" smtClean="0"/>
+              <a:t>5</a:t>
+            </a:r>
+            <a:r>
+              <a:rPr lang="en-US" dirty="0" smtClean="0"/>
+              <a:t>:20</a:t>
+            </a:r>
+            <a:endParaRPr lang="en-US" dirty="0" smtClean="0"/>
           </a:p>
           <a:p>
             <a:r>
@@ -6643,7 +6656,12 @@
             <p:ph type="ftr" sz="quarter" idx="11"/>
           </p:nvPr>
         </p:nvSpPr>
-        <p:spPr/>
+        <p:spPr>
+          <a:xfrm>
+            <a:off x="3715078" y="6416675"/>
+            <a:ext cx="4822804" cy="365125"/>
+          </a:xfrm>
+        </p:spPr>
         <p:txBody>
           <a:bodyPr/>
           <a:lstStyle/>

--- a/Lectures/Lec1/lec1-1.pptx
+++ b/Lectures/Lec1/lec1-1.pptx
@@ -210,7 +210,7 @@
           <a:p>
             <a:fld id="{5D1E261F-8C98-8744-8E35-D8BB142E7BA1}" type="datetimeFigureOut">
               <a:rPr lang="en-US" smtClean="0"/>
-              <a:t>1/4/16</a:t>
+              <a:t>1/2/17</a:t>
             </a:fld>
             <a:endParaRPr lang="en-US"/>
           </a:p>
@@ -1650,10 +1650,10 @@
           <a:bodyPr/>
           <a:lstStyle/>
           <a:p>
-            <a:r>
+            <a:fld id="{B46E5899-C7BE-D143-81F6-00D643E8F2FC}" type="datetime1">
               <a:rPr lang="en-US" smtClean="0"/>
-              <a:t>01/05/16</a:t>
-            </a:r>
+              <a:t>1/2/17</a:t>
+            </a:fld>
             <a:endParaRPr lang="en-US" dirty="0"/>
           </a:p>
         </p:txBody>
@@ -1857,10 +1857,10 @@
           <a:bodyPr/>
           <a:lstStyle/>
           <a:p>
-            <a:r>
+            <a:fld id="{03CE3EED-A376-2945-9C94-44650EF9653D}" type="datetime1">
               <a:rPr lang="en-US" smtClean="0"/>
-              <a:t>01/05/16</a:t>
-            </a:r>
+              <a:t>1/2/17</a:t>
+            </a:fld>
             <a:endParaRPr lang="en-US" dirty="0"/>
           </a:p>
         </p:txBody>
@@ -2112,10 +2112,10 @@
           <a:bodyPr/>
           <a:lstStyle/>
           <a:p>
-            <a:r>
+            <a:fld id="{C4BDA96D-B248-6642-978B-C5AE17C79E52}" type="datetime1">
               <a:rPr lang="en-US" smtClean="0"/>
-              <a:t>01/05/16</a:t>
-            </a:r>
+              <a:t>1/2/17</a:t>
+            </a:fld>
             <a:endParaRPr lang="en-US" dirty="0"/>
           </a:p>
         </p:txBody>
@@ -2305,10 +2305,10 @@
           <a:bodyPr/>
           <a:lstStyle/>
           <a:p>
-            <a:r>
+            <a:fld id="{D344859B-B420-0444-9FC9-448941C5B82A}" type="datetime1">
               <a:rPr lang="en-US" smtClean="0"/>
-              <a:t>01/05/16</a:t>
-            </a:r>
+              <a:t>1/2/17</a:t>
+            </a:fld>
             <a:endParaRPr lang="en-US" dirty="0"/>
           </a:p>
         </p:txBody>
@@ -2654,10 +2654,10 @@
           <a:bodyPr/>
           <a:lstStyle/>
           <a:p>
-            <a:r>
+            <a:fld id="{85A93AC7-17EC-B349-8097-3994DDA73642}" type="datetime1">
               <a:rPr lang="en-US" smtClean="0"/>
-              <a:t>01/05/16</a:t>
-            </a:r>
+              <a:t>1/2/17</a:t>
+            </a:fld>
             <a:endParaRPr lang="en-US" dirty="0"/>
           </a:p>
         </p:txBody>
@@ -2928,10 +2928,10 @@
           <a:bodyPr/>
           <a:lstStyle/>
           <a:p>
-            <a:r>
+            <a:fld id="{B55E91CC-B908-EE49-B99C-D7F6B7832123}" type="datetime1">
               <a:rPr lang="en-US" smtClean="0"/>
-              <a:t>01/05/16</a:t>
-            </a:r>
+              <a:t>1/2/17</a:t>
+            </a:fld>
             <a:endParaRPr lang="en-US" dirty="0"/>
           </a:p>
         </p:txBody>
@@ -3306,10 +3306,10 @@
           <a:bodyPr/>
           <a:lstStyle/>
           <a:p>
-            <a:r>
+            <a:fld id="{867A7BD0-CF2F-8044-9A90-3AC4EF516A1F}" type="datetime1">
               <a:rPr lang="en-US" smtClean="0"/>
-              <a:t>01/05/16</a:t>
-            </a:r>
+              <a:t>1/2/17</a:t>
+            </a:fld>
             <a:endParaRPr lang="en-US" dirty="0"/>
           </a:p>
         </p:txBody>
@@ -3423,10 +3423,10 @@
           <a:bodyPr/>
           <a:lstStyle/>
           <a:p>
-            <a:r>
+            <a:fld id="{646392AA-2B27-894F-9A45-7D6FC82C2A84}" type="datetime1">
               <a:rPr lang="en-US" smtClean="0"/>
-              <a:t>01/05/16</a:t>
-            </a:r>
+              <a:t>1/2/17</a:t>
+            </a:fld>
             <a:endParaRPr lang="en-US" dirty="0"/>
           </a:p>
         </p:txBody>
@@ -3593,10 +3593,10 @@
           <a:bodyPr/>
           <a:lstStyle/>
           <a:p>
-            <a:r>
+            <a:fld id="{C7CE22E0-FB70-5B4C-81ED-D1C86C0DB183}" type="datetime1">
               <a:rPr lang="en-US" smtClean="0"/>
-              <a:t>01/05/16</a:t>
-            </a:r>
+              <a:t>1/2/17</a:t>
+            </a:fld>
             <a:endParaRPr lang="en-US" dirty="0"/>
           </a:p>
         </p:txBody>
@@ -3947,10 +3947,10 @@
             </a:lvl1pPr>
           </a:lstStyle>
           <a:p>
-            <a:r>
+            <a:fld id="{7578953B-8C84-A145-9B05-4ACF7B871A3B}" type="datetime1">
               <a:rPr lang="en-US" smtClean="0"/>
-              <a:t>01/05/16</a:t>
-            </a:r>
+              <a:t>1/2/17</a:t>
+            </a:fld>
             <a:endParaRPr lang="en-US" dirty="0"/>
           </a:p>
         </p:txBody>
@@ -4329,10 +4329,10 @@
           <a:bodyPr/>
           <a:lstStyle/>
           <a:p>
-            <a:r>
+            <a:fld id="{BBC258C8-3379-9F4D-B8DB-95BBECAE90BD}" type="datetime1">
               <a:rPr lang="en-US" smtClean="0"/>
-              <a:t>01/05/16</a:t>
-            </a:r>
+              <a:t>1/2/17</a:t>
+            </a:fld>
             <a:endParaRPr lang="en-US" dirty="0"/>
           </a:p>
         </p:txBody>
@@ -4615,10 +4615,10 @@
             </a:lvl1pPr>
           </a:lstStyle>
           <a:p>
-            <a:r>
+            <a:fld id="{FBB2A8F5-4BF8-8549-B5CF-97DE397F4134}" type="datetime1">
               <a:rPr lang="en-US" smtClean="0"/>
-              <a:t>01/05/16</a:t>
-            </a:r>
+              <a:t>1/2/17</a:t>
+            </a:fld>
             <a:endParaRPr lang="en-US" dirty="0"/>
           </a:p>
         </p:txBody>
@@ -5224,8 +5224,8 @@
               <a:t>201</a:t>
             </a:r>
             <a:r>
-              <a:rPr lang="en-US" altLang="zh-CN" dirty="0" smtClean="0"/>
-              <a:t>6</a:t>
+              <a:rPr lang="en-US" dirty="0"/>
+              <a:t>7</a:t>
             </a:r>
             <a:endParaRPr lang="zh-CN" altLang="en-US" dirty="0"/>
           </a:p>
@@ -5416,20 +5416,28 @@
               <a:buAutoNum type="arabicPeriod"/>
             </a:pPr>
             <a:r>
+              <a:rPr lang="en-US" altLang="zh-CN" dirty="0" smtClean="0">
+                <a:solidFill>
+                  <a:srgbClr val="0070C0"/>
+                </a:solidFill>
+              </a:rPr>
+              <a:t>Anomaly </a:t>
+            </a:r>
+            <a:r>
               <a:rPr lang="en-US" altLang="zh-CN" dirty="0">
                 <a:solidFill>
-                  <a:srgbClr val="00B050"/>
+                  <a:srgbClr val="0070C0"/>
                 </a:solidFill>
               </a:rPr>
-              <a:t>Sentiment Analysis (Optimization</a:t>
+              <a:t>Detection (Unsupervised </a:t>
             </a:r>
             <a:r>
               <a:rPr lang="en-US" altLang="zh-CN" dirty="0" smtClean="0">
                 <a:solidFill>
-                  <a:srgbClr val="00B050"/>
+                  <a:srgbClr val="0070C0"/>
                 </a:solidFill>
               </a:rPr>
-              <a:t>)</a:t>
+              <a:t>Learning)</a:t>
             </a:r>
           </a:p>
           <a:p>
@@ -5441,20 +5449,60 @@
               <a:buAutoNum type="arabicPeriod"/>
             </a:pPr>
             <a:r>
-              <a:rPr lang="en-US" altLang="zh-CN" dirty="0">
+              <a:rPr lang="en-US" altLang="zh-CN" dirty="0" smtClean="0">
                 <a:solidFill>
-                  <a:srgbClr val="00B050"/>
+                  <a:srgbClr val="0070C0"/>
                 </a:solidFill>
               </a:rPr>
-              <a:t>Anomaly Detection (Unsupervised Learning + Dimensionality Reduction</a:t>
+              <a:t>Data</a:t>
+            </a:r>
+            <a:r>
+              <a:rPr lang="zh-CN" altLang="en-US" dirty="0" smtClean="0">
+                <a:solidFill>
+                  <a:srgbClr val="0070C0"/>
+                </a:solidFill>
+              </a:rPr>
+              <a:t> </a:t>
             </a:r>
             <a:r>
               <a:rPr lang="en-US" altLang="zh-CN" dirty="0" smtClean="0">
                 <a:solidFill>
-                  <a:srgbClr val="00B050"/>
+                  <a:srgbClr val="0070C0"/>
                 </a:solidFill>
               </a:rPr>
-              <a:t>)</a:t>
+              <a:t>Integration</a:t>
+            </a:r>
+            <a:r>
+              <a:rPr lang="zh-CN" altLang="en-US" dirty="0" smtClean="0">
+                <a:solidFill>
+                  <a:srgbClr val="0070C0"/>
+                </a:solidFill>
+              </a:rPr>
+              <a:t> </a:t>
+            </a:r>
+            <a:r>
+              <a:rPr lang="en-US" altLang="zh-CN" dirty="0" smtClean="0">
+                <a:solidFill>
+                  <a:srgbClr val="0070C0"/>
+                </a:solidFill>
+              </a:rPr>
+              <a:t>and</a:t>
+            </a:r>
+            <a:r>
+              <a:rPr lang="zh-CN" altLang="en-US" dirty="0" smtClean="0">
+                <a:solidFill>
+                  <a:srgbClr val="0070C0"/>
+                </a:solidFill>
+              </a:rPr>
+              <a:t> </a:t>
+            </a:r>
+            <a:r>
+              <a:rPr lang="en-US" altLang="zh-CN" dirty="0" smtClean="0">
+                <a:solidFill>
+                  <a:srgbClr val="0070C0"/>
+                </a:solidFill>
+              </a:rPr>
+              <a:t>Cleaning</a:t>
             </a:r>
           </a:p>
           <a:p>
@@ -5466,202 +5514,292 @@
               <a:buAutoNum type="arabicPeriod"/>
             </a:pPr>
             <a:r>
+              <a:rPr lang="en-US" altLang="zh-CN" dirty="0" smtClean="0">
+                <a:solidFill>
+                  <a:srgbClr val="00B050"/>
+                </a:solidFill>
+              </a:rPr>
+              <a:t>Movie</a:t>
+            </a:r>
+            <a:r>
+              <a:rPr lang="zh-CN" altLang="en-US" dirty="0" smtClean="0">
+                <a:solidFill>
+                  <a:srgbClr val="00B050"/>
+                </a:solidFill>
+              </a:rPr>
+              <a:t> </a:t>
+            </a:r>
+            <a:r>
+              <a:rPr lang="en-US" altLang="zh-CN" dirty="0" smtClean="0">
+                <a:solidFill>
+                  <a:srgbClr val="00B050"/>
+                </a:solidFill>
+              </a:rPr>
+              <a:t>Recommendation</a:t>
+            </a:r>
+            <a:endParaRPr lang="en-US" dirty="0" smtClean="0">
+              <a:solidFill>
+                <a:srgbClr val="00B050"/>
+              </a:solidFill>
+            </a:endParaRPr>
+          </a:p>
+          <a:p>
+            <a:r>
+              <a:rPr lang="en-US" b="1" dirty="0" smtClean="0"/>
+              <a:t>Part II: Advanced Analytics </a:t>
+            </a:r>
+            <a:r>
+              <a:rPr lang="en-US" b="1" dirty="0"/>
+              <a:t>with </a:t>
+            </a:r>
+            <a:r>
+              <a:rPr lang="en-US" altLang="zh-CN" b="1" dirty="0" smtClean="0"/>
+              <a:t>Other</a:t>
+            </a:r>
+            <a:r>
+              <a:rPr lang="zh-CN" altLang="en-US" b="1" dirty="0" smtClean="0"/>
+              <a:t> </a:t>
+            </a:r>
+            <a:r>
+              <a:rPr lang="en-US" altLang="zh-CN" b="1" dirty="0" smtClean="0"/>
+              <a:t>Tools</a:t>
+            </a:r>
+            <a:endParaRPr lang="en-US" b="1" dirty="0" smtClean="0"/>
+          </a:p>
+          <a:p>
+            <a:pPr marL="658368" lvl="1" indent="-457200">
+              <a:buClr>
+                <a:srgbClr val="E48312"/>
+              </a:buClr>
+              <a:buFont typeface="+mj-lt"/>
+              <a:buAutoNum type="arabicPeriod" startAt="6"/>
+            </a:pPr>
+            <a:r>
+              <a:rPr lang="en-US" altLang="zh-CN" dirty="0">
+                <a:solidFill>
+                  <a:srgbClr val="00B050"/>
+                </a:solidFill>
+              </a:rPr>
+              <a:t>Small Data (</a:t>
+            </a:r>
+            <a:r>
+              <a:rPr lang="en-US" altLang="zh-CN" dirty="0" err="1">
+                <a:solidFill>
+                  <a:srgbClr val="00B050"/>
+                </a:solidFill>
+              </a:rPr>
+              <a:t>Scikit</a:t>
+            </a:r>
+            <a:r>
+              <a:rPr lang="en-US" altLang="zh-CN" dirty="0">
+                <a:solidFill>
+                  <a:srgbClr val="00B050"/>
+                </a:solidFill>
+              </a:rPr>
+              <a:t>-Learn)</a:t>
+            </a:r>
+          </a:p>
+          <a:p>
+            <a:pPr marL="658368" lvl="1" indent="-457200">
+              <a:buClr>
+                <a:srgbClr val="E48312"/>
+              </a:buClr>
+              <a:buFont typeface="+mj-lt"/>
+              <a:buAutoNum type="arabicPeriod" startAt="6"/>
+            </a:pPr>
+            <a:r>
+              <a:rPr lang="en-US" altLang="zh-CN" dirty="0" smtClean="0">
+                <a:solidFill>
+                  <a:srgbClr val="00B050"/>
+                </a:solidFill>
+              </a:rPr>
+              <a:t>Deep </a:t>
+            </a:r>
+            <a:r>
+              <a:rPr lang="en-US" altLang="zh-CN" dirty="0">
+                <a:solidFill>
+                  <a:srgbClr val="00B050"/>
+                </a:solidFill>
+              </a:rPr>
+              <a:t>Learning (</a:t>
+            </a:r>
+            <a:r>
+              <a:rPr lang="en-US" altLang="zh-CN" dirty="0" err="1">
+                <a:solidFill>
+                  <a:srgbClr val="00B050"/>
+                </a:solidFill>
+              </a:rPr>
+              <a:t>caffee</a:t>
+            </a:r>
+            <a:r>
+              <a:rPr lang="en-US" altLang="zh-CN" dirty="0" smtClean="0">
+                <a:solidFill>
+                  <a:srgbClr val="00B050"/>
+                </a:solidFill>
+              </a:rPr>
+              <a:t>)</a:t>
+            </a:r>
+            <a:endParaRPr lang="zh-CN" altLang="en-US" dirty="0" smtClean="0">
+              <a:solidFill>
+                <a:srgbClr val="00B050"/>
+              </a:solidFill>
+            </a:endParaRPr>
+          </a:p>
+          <a:p>
+            <a:pPr marL="658368" lvl="1" indent="-457200">
+              <a:buClr>
+                <a:srgbClr val="E48312"/>
+              </a:buClr>
+              <a:buFont typeface="+mj-lt"/>
+              <a:buAutoNum type="arabicPeriod" startAt="6"/>
+            </a:pPr>
+            <a:r>
+              <a:rPr lang="en-US" altLang="zh-CN" dirty="0" smtClean="0">
+                <a:solidFill>
+                  <a:srgbClr val="0070C0"/>
+                </a:solidFill>
+              </a:rPr>
+              <a:t>Data</a:t>
+            </a:r>
+            <a:r>
+              <a:rPr lang="zh-CN" altLang="en-US" dirty="0" smtClean="0">
+                <a:solidFill>
+                  <a:srgbClr val="0070C0"/>
+                </a:solidFill>
+              </a:rPr>
+              <a:t> </a:t>
+            </a:r>
+            <a:r>
+              <a:rPr lang="en-US" altLang="zh-CN" smtClean="0">
+                <a:solidFill>
+                  <a:srgbClr val="0070C0"/>
+                </a:solidFill>
+              </a:rPr>
+              <a:t>Labeling</a:t>
+            </a:r>
+            <a:r>
+              <a:rPr lang="zh-CN" altLang="en-US" smtClean="0">
+                <a:solidFill>
+                  <a:srgbClr val="0070C0"/>
+                </a:solidFill>
+              </a:rPr>
+              <a:t> </a:t>
+            </a:r>
+            <a:r>
+              <a:rPr lang="en-US" altLang="zh-CN" dirty="0" smtClean="0">
+                <a:solidFill>
+                  <a:srgbClr val="0070C0"/>
+                </a:solidFill>
+              </a:rPr>
+              <a:t>(Crowdsourcing,</a:t>
+            </a:r>
+            <a:r>
+              <a:rPr lang="zh-CN" altLang="en-US" dirty="0" smtClean="0">
+                <a:solidFill>
+                  <a:srgbClr val="0070C0"/>
+                </a:solidFill>
+              </a:rPr>
+              <a:t> </a:t>
+            </a:r>
+            <a:r>
+              <a:rPr lang="en-US" altLang="zh-CN" dirty="0" smtClean="0">
+                <a:solidFill>
+                  <a:srgbClr val="0070C0"/>
+                </a:solidFill>
+              </a:rPr>
+              <a:t>Active</a:t>
+            </a:r>
+            <a:r>
+              <a:rPr lang="zh-CN" altLang="en-US" dirty="0" smtClean="0">
+                <a:solidFill>
+                  <a:srgbClr val="0070C0"/>
+                </a:solidFill>
+              </a:rPr>
+              <a:t> </a:t>
+            </a:r>
+            <a:r>
+              <a:rPr lang="en-US" altLang="zh-CN" dirty="0" smtClean="0">
+                <a:solidFill>
+                  <a:srgbClr val="0070C0"/>
+                </a:solidFill>
+              </a:rPr>
+              <a:t>Learning)</a:t>
+            </a:r>
+            <a:endParaRPr lang="zh-CN" altLang="en-US" dirty="0" smtClean="0">
+              <a:solidFill>
+                <a:srgbClr val="0070C0"/>
+              </a:solidFill>
+            </a:endParaRPr>
+          </a:p>
+          <a:p>
+            <a:pPr marL="658368" lvl="1" indent="-457200">
+              <a:buClr>
+                <a:srgbClr val="E48312"/>
+              </a:buClr>
+              <a:buFont typeface="+mj-lt"/>
+              <a:buAutoNum type="arabicPeriod" startAt="6"/>
+            </a:pPr>
+            <a:r>
+              <a:rPr lang="en-US" altLang="zh-CN" dirty="0" smtClean="0">
+                <a:solidFill>
+                  <a:srgbClr val="0070C0"/>
+                </a:solidFill>
+              </a:rPr>
+              <a:t>Project</a:t>
+            </a:r>
+            <a:r>
+              <a:rPr lang="zh-CN" altLang="en-US" dirty="0" smtClean="0">
+                <a:solidFill>
+                  <a:srgbClr val="0070C0"/>
+                </a:solidFill>
+              </a:rPr>
+              <a:t> </a:t>
+            </a:r>
+            <a:r>
+              <a:rPr lang="en-US" altLang="zh-CN" dirty="0" smtClean="0">
+                <a:solidFill>
+                  <a:srgbClr val="0070C0"/>
+                </a:solidFill>
+              </a:rPr>
+              <a:t>Proposal</a:t>
+            </a:r>
+            <a:r>
+              <a:rPr lang="zh-CN" altLang="en-US" dirty="0" smtClean="0">
+                <a:solidFill>
+                  <a:srgbClr val="0070C0"/>
+                </a:solidFill>
+              </a:rPr>
+              <a:t> </a:t>
+            </a:r>
+            <a:r>
+              <a:rPr lang="en-US" altLang="zh-CN" dirty="0" smtClean="0">
+                <a:solidFill>
+                  <a:srgbClr val="0070C0"/>
+                </a:solidFill>
+              </a:rPr>
+              <a:t>Presentation</a:t>
+            </a:r>
+            <a:endParaRPr lang="zh-CN" altLang="en-US" dirty="0" smtClean="0">
+              <a:solidFill>
+                <a:srgbClr val="0070C0"/>
+              </a:solidFill>
+            </a:endParaRPr>
+          </a:p>
+          <a:p>
+            <a:pPr marL="658368" lvl="1" indent="-457200">
+              <a:buClr>
+                <a:srgbClr val="E48312"/>
+              </a:buClr>
+              <a:buFont typeface="+mj-lt"/>
+              <a:buAutoNum type="arabicPeriod" startAt="6"/>
+            </a:pPr>
+            <a:r>
               <a:rPr lang="en-US" altLang="zh-CN" dirty="0">
                 <a:solidFill>
                   <a:srgbClr val="0070C0"/>
                 </a:solidFill>
               </a:rPr>
-              <a:t>Movie Recommendation (Collaborative Filtering</a:t>
-            </a:r>
-            <a:r>
-              <a:rPr lang="en-US" altLang="zh-CN" dirty="0" smtClean="0">
-                <a:solidFill>
-                  <a:srgbClr val="0070C0"/>
-                </a:solidFill>
-              </a:rPr>
-              <a:t>)</a:t>
-            </a:r>
-          </a:p>
-          <a:p>
-            <a:pPr marL="658368" lvl="1" indent="-457200">
-              <a:buClr>
-                <a:srgbClr val="E48312"/>
-              </a:buClr>
-              <a:buFont typeface="+mj-lt"/>
-              <a:buAutoNum type="arabicPeriod"/>
-            </a:pPr>
-            <a:r>
-              <a:rPr lang="en-US" altLang="zh-CN" dirty="0" smtClean="0">
-                <a:solidFill>
-                  <a:srgbClr val="0070C0"/>
-                </a:solidFill>
-              </a:rPr>
-              <a:t>Scala Preliminaries (Functional Programming)</a:t>
-            </a:r>
-          </a:p>
-          <a:p>
-            <a:pPr marL="658368" lvl="1" indent="-457200">
-              <a:buClr>
-                <a:srgbClr val="E48312"/>
-              </a:buClr>
-              <a:buFont typeface="+mj-lt"/>
-              <a:buAutoNum type="arabicPeriod"/>
-            </a:pPr>
-            <a:r>
-              <a:rPr lang="en-US" altLang="zh-CN" dirty="0" smtClean="0">
-                <a:solidFill>
-                  <a:srgbClr val="00B050"/>
-                </a:solidFill>
-              </a:rPr>
-              <a:t>Social Network Analysis (</a:t>
-            </a:r>
-            <a:r>
-              <a:rPr lang="en-US" altLang="zh-CN" dirty="0" err="1" smtClean="0">
-                <a:solidFill>
-                  <a:srgbClr val="00B050"/>
-                </a:solidFill>
-              </a:rPr>
-              <a:t>GraphX</a:t>
-            </a:r>
-            <a:r>
-              <a:rPr lang="en-US" altLang="zh-CN" dirty="0" smtClean="0">
-                <a:solidFill>
-                  <a:srgbClr val="00B050"/>
-                </a:solidFill>
-              </a:rPr>
-              <a:t> </a:t>
-            </a:r>
-            <a:r>
-              <a:rPr lang="en-US" altLang="zh-CN" dirty="0" err="1" smtClean="0">
-                <a:solidFill>
-                  <a:srgbClr val="00B050"/>
-                </a:solidFill>
-              </a:rPr>
-              <a:t>Basics+Personalized</a:t>
-            </a:r>
-            <a:r>
-              <a:rPr lang="en-US" altLang="zh-CN" dirty="0" smtClean="0">
-                <a:solidFill>
-                  <a:srgbClr val="00B050"/>
-                </a:solidFill>
-              </a:rPr>
-              <a:t> PageRank)</a:t>
-            </a:r>
-            <a:endParaRPr lang="en-US" dirty="0" smtClean="0">
-              <a:solidFill>
-                <a:srgbClr val="00B050"/>
-              </a:solidFill>
-            </a:endParaRPr>
-          </a:p>
-          <a:p>
-            <a:r>
-              <a:rPr lang="en-US" b="1" dirty="0" smtClean="0"/>
-              <a:t>Part II: Advanced Analytics </a:t>
-            </a:r>
-            <a:r>
-              <a:rPr lang="en-US" b="1" dirty="0"/>
-              <a:t>with </a:t>
-            </a:r>
-            <a:r>
-              <a:rPr lang="en-US" altLang="zh-CN" b="1" dirty="0" smtClean="0"/>
-              <a:t>Other</a:t>
-            </a:r>
-            <a:r>
-              <a:rPr lang="zh-CN" altLang="en-US" b="1" dirty="0" smtClean="0"/>
-              <a:t> </a:t>
-            </a:r>
-            <a:r>
-              <a:rPr lang="en-US" altLang="zh-CN" b="1" dirty="0" smtClean="0"/>
-              <a:t>Tools</a:t>
-            </a:r>
-            <a:endParaRPr lang="en-US" b="1" dirty="0" smtClean="0"/>
-          </a:p>
-          <a:p>
-            <a:pPr marL="658368" lvl="1" indent="-457200">
-              <a:buClr>
-                <a:srgbClr val="E48312"/>
-              </a:buClr>
-              <a:buFont typeface="+mj-lt"/>
-              <a:buAutoNum type="arabicPeriod" startAt="8"/>
-            </a:pPr>
-            <a:r>
-              <a:rPr lang="en-US" altLang="zh-CN" dirty="0">
-                <a:solidFill>
-                  <a:srgbClr val="0070C0"/>
-                </a:solidFill>
-              </a:rPr>
-              <a:t>Small Data (</a:t>
-            </a:r>
-            <a:r>
-              <a:rPr lang="en-US" altLang="zh-CN" dirty="0" err="1">
-                <a:solidFill>
-                  <a:srgbClr val="0070C0"/>
-                </a:solidFill>
-              </a:rPr>
-              <a:t>Scikit</a:t>
-            </a:r>
-            <a:r>
-              <a:rPr lang="en-US" altLang="zh-CN" dirty="0">
-                <a:solidFill>
-                  <a:srgbClr val="0070C0"/>
-                </a:solidFill>
-              </a:rPr>
-              <a:t>-Learn)</a:t>
-            </a:r>
-          </a:p>
-          <a:p>
-            <a:pPr marL="658368" lvl="1" indent="-457200">
-              <a:buClr>
-                <a:srgbClr val="E48312"/>
-              </a:buClr>
-              <a:buFont typeface="+mj-lt"/>
-              <a:buAutoNum type="arabicPeriod" startAt="8"/>
-            </a:pPr>
-            <a:r>
-              <a:rPr lang="en-US" altLang="zh-CN" dirty="0" smtClean="0">
-                <a:solidFill>
-                  <a:srgbClr val="0070C0"/>
-                </a:solidFill>
-              </a:rPr>
-              <a:t>Project Proposal Presentation</a:t>
-            </a:r>
-            <a:endParaRPr lang="en-US" altLang="zh-CN" dirty="0">
-              <a:solidFill>
-                <a:srgbClr val="0070C0"/>
-              </a:solidFill>
-            </a:endParaRPr>
-          </a:p>
-          <a:p>
-            <a:pPr marL="658368" lvl="1" indent="-457200">
-              <a:buClr>
-                <a:srgbClr val="E48312"/>
-              </a:buClr>
-              <a:buFont typeface="+mj-lt"/>
-              <a:buAutoNum type="arabicPeriod" startAt="8"/>
-            </a:pPr>
-            <a:r>
-              <a:rPr lang="en-US" altLang="zh-CN" dirty="0">
-                <a:solidFill>
-                  <a:srgbClr val="0070C0"/>
-                </a:solidFill>
-              </a:rPr>
-              <a:t>Deep Learning (</a:t>
-            </a:r>
-            <a:r>
-              <a:rPr lang="en-US" altLang="zh-CN" dirty="0" err="1">
-                <a:solidFill>
-                  <a:srgbClr val="0070C0"/>
-                </a:solidFill>
-              </a:rPr>
-              <a:t>caffee</a:t>
-            </a:r>
-            <a:r>
-              <a:rPr lang="en-US" altLang="zh-CN" dirty="0">
-                <a:solidFill>
-                  <a:srgbClr val="0070C0"/>
-                </a:solidFill>
-              </a:rPr>
-              <a:t>)</a:t>
+              <a:t>Visualization (D3) &amp; AWS</a:t>
             </a:r>
             <a:endParaRPr lang="en-US" dirty="0">
               <a:solidFill>
@@ -5686,10 +5824,10 @@
           <a:bodyPr/>
           <a:lstStyle/>
           <a:p>
-            <a:r>
+            <a:fld id="{FC9E3A43-AC7E-3F45-AE75-74CDB54BC34C}" type="datetime1">
               <a:rPr lang="en-US" smtClean="0"/>
-              <a:t>01/05/16</a:t>
-            </a:r>
+              <a:t>1/2/17</a:t>
+            </a:fld>
             <a:endParaRPr lang="en-US" dirty="0"/>
           </a:p>
         </p:txBody>
@@ -6048,7 +6186,7 @@
                                 </p:cTn>
                               </p:par>
                               <p:par>
-                                <p:cTn id="15" presetID="1" presetClass="entr" presetSubtype="0" fill="hold" nodeType="withEffect">
+                                <p:cTn id="15" presetID="1" presetClass="entr" presetSubtype="0" fill="hold" grpId="0" nodeType="withEffect">
                                   <p:stCondLst>
                                     <p:cond delay="0"/>
                                   </p:stCondLst>
@@ -6056,68 +6194,6 @@
                                     <p:set>
                                       <p:cBhvr>
                                         <p:cTn id="16" dur="1" fill="hold">
-                                          <p:stCondLst>
-                                            <p:cond delay="0"/>
-                                          </p:stCondLst>
-                                        </p:cTn>
-                                        <p:tgtEl>
-                                          <p:spTgt spid="3">
-                                            <p:txEl>
-                                              <p:pRg st="6" end="6"/>
-                                            </p:txEl>
-                                          </p:spTgt>
-                                        </p:tgtEl>
-                                        <p:attrNameLst>
-                                          <p:attrName>style.visibility</p:attrName>
-                                        </p:attrNameLst>
-                                      </p:cBhvr>
-                                      <p:to>
-                                        <p:strVal val="visible"/>
-                                      </p:to>
-                                    </p:set>
-                                  </p:childTnLst>
-                                </p:cTn>
-                              </p:par>
-                              <p:par>
-                                <p:cTn id="17" presetID="1" presetClass="entr" presetSubtype="0" fill="hold" nodeType="withEffect">
-                                  <p:stCondLst>
-                                    <p:cond delay="0"/>
-                                  </p:stCondLst>
-                                  <p:childTnLst>
-                                    <p:set>
-                                      <p:cBhvr>
-                                        <p:cTn id="18" dur="1" fill="hold">
-                                          <p:stCondLst>
-                                            <p:cond delay="0"/>
-                                          </p:stCondLst>
-                                        </p:cTn>
-                                        <p:tgtEl>
-                                          <p:spTgt spid="3">
-                                            <p:txEl>
-                                              <p:pRg st="7" end="7"/>
-                                            </p:txEl>
-                                          </p:spTgt>
-                                        </p:tgtEl>
-                                        <p:attrNameLst>
-                                          <p:attrName>style.visibility</p:attrName>
-                                        </p:attrNameLst>
-                                      </p:cBhvr>
-                                      <p:to>
-                                        <p:strVal val="visible"/>
-                                      </p:to>
-                                    </p:set>
-                                  </p:childTnLst>
-                                </p:cTn>
-                              </p:par>
-                              <p:par>
-                                <p:cTn id="19" presetID="1" presetClass="entr" presetSubtype="0" fill="hold" grpId="0" nodeType="withEffect">
-                                  <p:stCondLst>
-                                    <p:cond delay="0"/>
-                                  </p:stCondLst>
-                                  <p:childTnLst>
-                                    <p:set>
-                                      <p:cBhvr>
-                                        <p:cTn id="20" dur="1" fill="hold">
                                           <p:stCondLst>
                                             <p:cond delay="0"/>
                                           </p:stCondLst>
@@ -6143,19 +6219,81 @@
                     </p:cTn>
                   </p:par>
                   <p:par>
-                    <p:cTn id="21" fill="hold">
+                    <p:cTn id="17" fill="hold">
                       <p:stCondLst>
                         <p:cond delay="indefinite"/>
                       </p:stCondLst>
                       <p:childTnLst>
                         <p:par>
-                          <p:cTn id="22" fill="hold">
+                          <p:cTn id="18" fill="hold">
                             <p:stCondLst>
                               <p:cond delay="0"/>
                             </p:stCondLst>
                             <p:childTnLst>
                               <p:par>
-                                <p:cTn id="23" presetID="1" presetClass="entr" presetSubtype="0" fill="hold" nodeType="clickEffect">
+                                <p:cTn id="19" presetID="1" presetClass="entr" presetSubtype="0" fill="hold" nodeType="clickEffect">
+                                  <p:stCondLst>
+                                    <p:cond delay="0"/>
+                                  </p:stCondLst>
+                                  <p:childTnLst>
+                                    <p:set>
+                                      <p:cBhvr>
+                                        <p:cTn id="20" dur="1" fill="hold">
+                                          <p:stCondLst>
+                                            <p:cond delay="0"/>
+                                          </p:stCondLst>
+                                        </p:cTn>
+                                        <p:tgtEl>
+                                          <p:spTgt spid="3">
+                                            <p:txEl>
+                                              <p:pRg st="7" end="7"/>
+                                            </p:txEl>
+                                          </p:spTgt>
+                                        </p:tgtEl>
+                                        <p:attrNameLst>
+                                          <p:attrName>style.visibility</p:attrName>
+                                        </p:attrNameLst>
+                                      </p:cBhvr>
+                                      <p:to>
+                                        <p:strVal val="visible"/>
+                                      </p:to>
+                                    </p:set>
+                                  </p:childTnLst>
+                                </p:cTn>
+                              </p:par>
+                              <p:par>
+                                <p:cTn id="21" presetID="1" presetClass="entr" presetSubtype="0" fill="hold" nodeType="withEffect">
+                                  <p:stCondLst>
+                                    <p:cond delay="0"/>
+                                  </p:stCondLst>
+                                  <p:childTnLst>
+                                    <p:set>
+                                      <p:cBhvr>
+                                        <p:cTn id="22" dur="1" fill="hold">
+                                          <p:stCondLst>
+                                            <p:cond delay="0"/>
+                                          </p:stCondLst>
+                                        </p:cTn>
+                                        <p:tgtEl>
+                                          <p:spTgt spid="3">
+                                            <p:txEl>
+                                              <p:pRg st="8" end="8"/>
+                                            </p:txEl>
+                                          </p:spTgt>
+                                        </p:tgtEl>
+                                        <p:attrNameLst>
+                                          <p:attrName>style.visibility</p:attrName>
+                                        </p:attrNameLst>
+                                      </p:cBhvr>
+                                      <p:to>
+                                        <p:strVal val="visible"/>
+                                      </p:to>
+                                    </p:set>
+                                  </p:childTnLst>
+                                </p:cTn>
+                              </p:par>
+                              <p:par>
+                                <p:cTn id="23" presetID="1" presetClass="entr" presetSubtype="0" fill="hold" nodeType="withEffect">
                                   <p:stCondLst>
                                     <p:cond delay="0"/>
                                   </p:stCondLst>
@@ -6202,37 +6340,6 @@
                                           <p:spTgt spid="3">
                                             <p:txEl>
                                               <p:pRg st="10" end="10"/>
-                                            </p:txEl>
-                                          </p:spTgt>
-                                        </p:tgtEl>
-                                        <p:attrNameLst>
-                                          <p:attrName>style.visibility</p:attrName>
-                                        </p:attrNameLst>
-                                      </p:cBhvr>
-                                      <p:to>
-                                        <p:strVal val="visible"/>
-                                      </p:to>
-                                    </p:set>
-                                  </p:childTnLst>
-                                </p:cTn>
-                              </p:par>
-                              <p:par>
-                                <p:cTn id="27" presetID="1" presetClass="entr" presetSubtype="0" fill="hold" nodeType="withEffect">
-                                  <p:stCondLst>
-                                    <p:cond delay="0"/>
-                                  </p:stCondLst>
-                                  <p:childTnLst>
-                                    <p:set>
-                                      <p:cBhvr>
-                                        <p:cTn id="28" dur="1" fill="hold">
-                                          <p:stCondLst>
-                                            <p:cond delay="0"/>
-                                          </p:stCondLst>
-                                        </p:cTn>
-                                        <p:tgtEl>
-                                          <p:spTgt spid="3">
-                                            <p:txEl>
-                                              <p:pRg st="11" end="11"/>
                                             </p:txEl>
                                           </p:spTgt>
                                         </p:tgtEl>
@@ -6338,7 +6445,7 @@
         </p:spPr>
         <p:txBody>
           <a:bodyPr>
-            <a:normAutofit lnSpcReduction="10000"/>
+            <a:normAutofit/>
           </a:bodyPr>
           <a:lstStyle/>
           <a:p>
@@ -6365,6 +6472,28 @@
               <a:t>Assignments: </a:t>
             </a:r>
             <a:r>
+              <a:rPr lang="en-US" altLang="zh-CN" dirty="0">
+                <a:solidFill>
+                  <a:srgbClr val="000000">
+                    <a:lumMod val="75000"/>
+                    <a:lumOff val="25000"/>
+                  </a:srgbClr>
+                </a:solidFill>
+              </a:rPr>
+              <a:t>9</a:t>
+            </a:r>
+            <a:r>
+              <a:rPr lang="it-IT" altLang="zh-CN" dirty="0" smtClean="0">
+                <a:solidFill>
+                  <a:srgbClr val="000000">
+                    <a:lumMod val="75000"/>
+                    <a:lumOff val="25000"/>
+                  </a:srgbClr>
+                </a:solidFill>
+              </a:rPr>
+              <a:t> </a:t>
+            </a:r>
+            <a:r>
               <a:rPr lang="it-IT" altLang="zh-CN" dirty="0">
                 <a:solidFill>
                   <a:srgbClr val="000000">
@@ -6373,7 +6502,7 @@
                   </a:srgbClr>
                 </a:solidFill>
               </a:rPr>
-              <a:t>9 x 8 = 72</a:t>
+              <a:t>x 8 = 72</a:t>
             </a:r>
             <a:r>
               <a:rPr lang="it-IT" altLang="zh-CN" dirty="0" smtClean="0">
@@ -6402,7 +6531,29 @@
                   </a:srgbClr>
                 </a:solidFill>
               </a:rPr>
-              <a:t>Project:  </a:t>
+              <a:t>Project:  (</a:t>
+            </a:r>
+            <a:r>
+              <a:rPr lang="it-IT" altLang="zh-CN" dirty="0" err="1" smtClean="0">
+                <a:solidFill>
+                  <a:srgbClr val="000000">
+                    <a:lumMod val="75000"/>
+                    <a:lumOff val="25000"/>
+                  </a:srgbClr>
+                </a:solidFill>
+              </a:rPr>
+              <a:t>proposal</a:t>
+            </a:r>
+            <a:r>
+              <a:rPr lang="it-IT" altLang="zh-CN" dirty="0" smtClean="0">
+                <a:solidFill>
+                  <a:srgbClr val="000000">
+                    <a:lumMod val="75000"/>
+                    <a:lumOff val="25000"/>
+                  </a:srgbClr>
+                </a:solidFill>
+              </a:rPr>
+              <a:t> </a:t>
             </a:r>
             <a:r>
               <a:rPr lang="it-IT" altLang="zh-CN" dirty="0">
@@ -6413,29 +6564,7 @@
                   </a:srgbClr>
                 </a:solidFill>
               </a:rPr>
-              <a:t>(</a:t>
-            </a:r>
-            <a:r>
-              <a:rPr lang="it-IT" altLang="zh-CN" dirty="0" err="1">
-                <a:solidFill>
-                  <a:srgbClr val="000000">
-                    <a:lumMod val="75000"/>
-                    <a:lumOff val="25000"/>
-                  </a:srgbClr>
-                </a:solidFill>
-              </a:rPr>
-              <a:t>proposal</a:t>
-            </a:r>
-            <a:r>
-              <a:rPr lang="it-IT" altLang="zh-CN" dirty="0">
-                <a:solidFill>
-                  <a:srgbClr val="000000">
-                    <a:lumMod val="75000"/>
-                    <a:lumOff val="25000"/>
-                  </a:srgbClr>
-                </a:solidFill>
-              </a:rPr>
-              <a:t> + </a:t>
+              <a:t>+ </a:t>
             </a:r>
             <a:r>
               <a:rPr lang="it-IT" altLang="zh-CN" dirty="0" smtClean="0">
@@ -6471,7 +6600,19 @@
             </a:pPr>
             <a:r>
               <a:rPr lang="en-US" dirty="0" smtClean="0"/>
-              <a:t>Group A, B: Tuesday 9:30-10:20</a:t>
+              <a:t>Group A, B: </a:t>
+            </a:r>
+            <a:r>
+              <a:rPr lang="en-US" altLang="zh-CN" dirty="0" smtClean="0"/>
+              <a:t>Monday</a:t>
+            </a:r>
+            <a:r>
+              <a:rPr lang="zh-CN" altLang="en-US" dirty="0" smtClean="0"/>
+              <a:t> </a:t>
+            </a:r>
+            <a:r>
+              <a:rPr lang="en-US" dirty="0" smtClean="0"/>
+              <a:t>9:30-10:20</a:t>
             </a:r>
           </a:p>
           <a:p>
@@ -6499,7 +6640,23 @@
             </a:pPr>
             <a:r>
               <a:rPr lang="en-US" dirty="0" smtClean="0"/>
-              <a:t>Group A: Tues 10:30–12:20</a:t>
+              <a:t>Group A: Tues </a:t>
+            </a:r>
+            <a:r>
+              <a:rPr lang="en-US" altLang="zh-CN" dirty="0" smtClean="0"/>
+              <a:t>9</a:t>
+            </a:r>
+            <a:r>
+              <a:rPr lang="en-US" dirty="0" smtClean="0"/>
+              <a:t>:30–1</a:t>
+            </a:r>
+            <a:r>
+              <a:rPr lang="en-US" altLang="zh-CN" dirty="0" smtClean="0"/>
+              <a:t>1</a:t>
+            </a:r>
+            <a:r>
+              <a:rPr lang="en-US" dirty="0" smtClean="0"/>
+              <a:t>:20</a:t>
             </a:r>
             <a:r>
               <a:rPr lang="en-US" dirty="0"/>
@@ -6507,7 +6664,31 @@
             </a:r>
             <a:r>
               <a:rPr lang="en-US" dirty="0" smtClean="0"/>
-              <a:t>9:30–12:20</a:t>
+              <a:t>9:</a:t>
+            </a:r>
+            <a:r>
+              <a:rPr lang="en-US" altLang="zh-CN" dirty="0" smtClean="0"/>
+              <a:t>00</a:t>
+            </a:r>
+            <a:r>
+              <a:rPr lang="en-US" dirty="0" smtClean="0"/>
+              <a:t>–1</a:t>
+            </a:r>
+            <a:r>
+              <a:rPr lang="en-US" altLang="zh-CN" dirty="0" smtClean="0"/>
+              <a:t>1</a:t>
+            </a:r>
+            <a:r>
+              <a:rPr lang="en-US" dirty="0" smtClean="0"/>
+              <a:t>:</a:t>
+            </a:r>
+            <a:r>
+              <a:rPr lang="en-US" altLang="zh-CN" dirty="0" smtClean="0"/>
+              <a:t>5</a:t>
+            </a:r>
+            <a:r>
+              <a:rPr lang="en-US" dirty="0" smtClean="0"/>
+              <a:t>0</a:t>
             </a:r>
           </a:p>
           <a:p>
@@ -6518,7 +6699,23 @@
             </a:pPr>
             <a:r>
               <a:rPr lang="en-US" dirty="0" smtClean="0"/>
-              <a:t>Group B: Tues 2:30–4:20</a:t>
+              <a:t>Group B: Tues </a:t>
+            </a:r>
+            <a:r>
+              <a:rPr lang="en-US" altLang="zh-CN" dirty="0" smtClean="0"/>
+              <a:t>14</a:t>
+            </a:r>
+            <a:r>
+              <a:rPr lang="en-US" dirty="0" smtClean="0"/>
+              <a:t>:30–</a:t>
+            </a:r>
+            <a:r>
+              <a:rPr lang="en-US" altLang="zh-CN" dirty="0" smtClean="0"/>
+              <a:t>16</a:t>
+            </a:r>
+            <a:r>
+              <a:rPr lang="en-US" dirty="0" smtClean="0"/>
+              <a:t>:20</a:t>
             </a:r>
             <a:r>
               <a:rPr lang="en-US" dirty="0"/>
@@ -6526,7 +6723,7 @@
             </a:r>
             <a:r>
               <a:rPr lang="en-US" altLang="zh-CN" dirty="0" smtClean="0"/>
-              <a:t>2</a:t>
+              <a:t>13</a:t>
             </a:r>
             <a:r>
               <a:rPr lang="en-US" dirty="0" smtClean="0"/>
@@ -6534,20 +6731,19 @@
             </a:r>
             <a:r>
               <a:rPr lang="en-US" altLang="zh-CN" dirty="0" smtClean="0"/>
-              <a:t>5</a:t>
+              <a:t>16</a:t>
             </a:r>
             <a:r>
               <a:rPr lang="en-US" dirty="0" smtClean="0"/>
               <a:t>:20</a:t>
             </a:r>
-            <a:endParaRPr lang="en-US" dirty="0" smtClean="0"/>
           </a:p>
           <a:p>
             <a:r>
               <a:rPr lang="en-US" b="1" dirty="0" smtClean="0"/>
               <a:t>TAs</a:t>
             </a:r>
-            <a:endParaRPr lang="en-US" b="1" dirty="0"/>
+            <a:endParaRPr lang="en-US" sz="2000" dirty="0"/>
           </a:p>
           <a:p>
             <a:pPr lvl="1">
@@ -6556,24 +6752,56 @@
               </a:buClr>
             </a:pPr>
             <a:r>
-              <a:rPr lang="en-US" dirty="0" err="1" smtClean="0"/>
-              <a:t>Zicun</a:t>
-            </a:r>
-            <a:r>
-              <a:rPr lang="en-US" dirty="0" smtClean="0"/>
-              <a:t> </a:t>
+              <a:rPr lang="en-US" dirty="0" err="1"/>
+              <a:t>Venkatesh</a:t>
             </a:r>
             <a:r>
               <a:rPr lang="en-US" dirty="0"/>
-              <a:t>Cong (</a:t>
-            </a:r>
-            <a:r>
-              <a:rPr lang="en-US" dirty="0" smtClean="0">
+              <a:t> </a:t>
+            </a:r>
+            <a:r>
+              <a:rPr lang="en-US" dirty="0" err="1"/>
+              <a:t>Palani</a:t>
+            </a:r>
+            <a:r>
+              <a:rPr lang="en-US" dirty="0"/>
+              <a:t> </a:t>
+            </a:r>
+            <a:r>
+              <a:rPr lang="en-US" dirty="0" err="1"/>
+              <a:t>Prabhu</a:t>
+            </a:r>
+            <a:r>
+              <a:rPr lang="en-US" dirty="0"/>
+              <a:t> </a:t>
+            </a:r>
+            <a:r>
+              <a:rPr lang="en-US" dirty="0" err="1"/>
+              <a:t>Angalakurichi</a:t>
+            </a:r>
+            <a:r>
+              <a:rPr lang="en-US" dirty="0"/>
+              <a:t> </a:t>
+            </a:r>
+            <a:r>
+              <a:rPr lang="en-US" dirty="0" err="1"/>
+              <a:t>Ramaraj</a:t>
+            </a:r>
+            <a:r>
+              <a:rPr lang="en-US" dirty="0"/>
+              <a:t> &lt;</a:t>
+            </a:r>
+            <a:r>
+              <a:rPr lang="en-US" dirty="0">
                 <a:hlinkClick r:id="rId3"/>
               </a:rPr>
-              <a:t>zcong@sfu.ca)</a:t>
-            </a:r>
-            <a:endParaRPr lang="en-US" dirty="0" smtClean="0"/>
+              <a:t>vangalak@sfu.ca</a:t>
+            </a:r>
+            <a:r>
+              <a:rPr lang="en-US" dirty="0"/>
+              <a:t>&gt; </a:t>
+            </a:r>
+            <a:endParaRPr lang="zh-CN" altLang="en-US" dirty="0" smtClean="0"/>
           </a:p>
           <a:p>
             <a:pPr lvl="1">
@@ -6582,44 +6810,23 @@
               </a:buClr>
             </a:pPr>
             <a:r>
-              <a:rPr lang="en-US" dirty="0" smtClean="0"/>
-              <a:t>Syed </a:t>
-            </a:r>
-            <a:r>
               <a:rPr lang="en-US" dirty="0" err="1"/>
-              <a:t>Tanveer</a:t>
+              <a:t>Jaypratap</a:t>
             </a:r>
             <a:r>
               <a:rPr lang="en-US" dirty="0"/>
-              <a:t> </a:t>
-            </a:r>
-            <a:r>
-              <a:rPr lang="en-US" dirty="0" err="1"/>
-              <a:t>Jisahan</a:t>
-            </a:r>
-            <a:r>
-              <a:rPr lang="en-US" dirty="0"/>
-              <a:t> </a:t>
-            </a:r>
-            <a:r>
-              <a:rPr lang="en-US" dirty="0" smtClean="0"/>
-              <a:t>(</a:t>
-            </a:r>
-            <a:r>
-              <a:rPr lang="en-US" dirty="0" smtClean="0">
+              <a:t> Naidu &lt;</a:t>
+            </a:r>
+            <a:r>
+              <a:rPr lang="en-US" dirty="0">
                 <a:hlinkClick r:id="rId4"/>
               </a:rPr>
-              <a:t>sjishan@sfu.ca)</a:t>
-            </a:r>
-            <a:endParaRPr lang="en-US" dirty="0" smtClean="0"/>
-          </a:p>
-          <a:p>
-            <a:pPr lvl="1">
-              <a:buClr>
-                <a:srgbClr val="E48312"/>
-              </a:buClr>
-            </a:pPr>
-            <a:endParaRPr lang="en-US" dirty="0"/>
+              <a:t>jna50@sfu.ca</a:t>
+            </a:r>
+            <a:r>
+              <a:rPr lang="en-US" dirty="0"/>
+              <a:t>&gt;</a:t>
+            </a:r>
           </a:p>
         </p:txBody>
       </p:sp>
@@ -6638,10 +6845,10 @@
           <a:bodyPr/>
           <a:lstStyle/>
           <a:p>
-            <a:r>
+            <a:fld id="{6441C24B-AB34-F140-BE68-93DD409A8392}" type="datetime1">
               <a:rPr lang="en-US" smtClean="0"/>
-              <a:t>01/05/16</a:t>
-            </a:r>
+              <a:t>1/2/17</a:t>
+            </a:fld>
             <a:endParaRPr lang="en-US" dirty="0"/>
           </a:p>
         </p:txBody>
@@ -6980,37 +7187,6 @@
                                   </p:childTnLst>
                                 </p:cTn>
                               </p:par>
-                              <p:par>
-                                <p:cTn id="23" presetID="1" presetClass="entr" presetSubtype="0" fill="hold" nodeType="withEffect">
-                                  <p:stCondLst>
-                                    <p:cond delay="0"/>
-                                  </p:stCondLst>
-                                  <p:childTnLst>
-                                    <p:set>
-                                      <p:cBhvr>
-                                        <p:cTn id="24" dur="1" fill="hold">
-                                          <p:stCondLst>
-                                            <p:cond delay="0"/>
-                                          </p:stCondLst>
-                                        </p:cTn>
-                                        <p:tgtEl>
-                                          <p:spTgt spid="3">
-                                            <p:txEl>
-                                              <p:pRg st="10" end="10"/>
-                                            </p:txEl>
-                                          </p:spTgt>
-                                        </p:tgtEl>
-                                        <p:attrNameLst>
-                                          <p:attrName>style.visibility</p:attrName>
-                                        </p:attrNameLst>
-                                      </p:cBhvr>
-                                      <p:to>
-                                        <p:strVal val="visible"/>
-                                      </p:to>
-                                    </p:set>
-                                  </p:childTnLst>
-                                </p:cTn>
-                              </p:par>
                             </p:childTnLst>
                           </p:cTn>
                         </p:par>
@@ -7304,8 +7480,12 @@
           <a:lstStyle/>
           <a:p>
             <a:r>
+              <a:rPr lang="en-US" altLang="zh-CN" sz="2400" dirty="0"/>
+              <a:t>8</a:t>
+            </a:r>
+            <a:r>
               <a:rPr lang="en-US" altLang="zh-CN" sz="2400" dirty="0" smtClean="0"/>
-              <a:t>7+</a:t>
+              <a:t>+</a:t>
             </a:r>
             <a:r>
               <a:rPr lang="zh-CN" altLang="en-US" sz="2400" dirty="0" smtClean="0"/>
@@ -7390,10 +7570,10 @@
           <a:bodyPr/>
           <a:lstStyle/>
           <a:p>
-            <a:r>
+            <a:fld id="{652BA6F7-62C2-A245-8A25-968A77867D9B}" type="datetime1">
               <a:rPr lang="en-US" smtClean="0"/>
-              <a:t>01/05/16</a:t>
-            </a:r>
+              <a:t>1/2/17</a:t>
+            </a:fld>
             <a:endParaRPr lang="en-US" dirty="0"/>
           </a:p>
         </p:txBody>
@@ -8527,10 +8707,10 @@
           <a:bodyPr/>
           <a:lstStyle/>
           <a:p>
-            <a:r>
+            <a:fld id="{C0AB0E03-D4E6-6C43-A5EB-630BAAE126B9}" type="datetime1">
               <a:rPr lang="en-US" smtClean="0"/>
-              <a:t>01/05/16</a:t>
-            </a:r>
+              <a:t>1/2/17</a:t>
+            </a:fld>
             <a:endParaRPr lang="en-US" dirty="0"/>
           </a:p>
         </p:txBody>
@@ -9725,10 +9905,10 @@
           <a:bodyPr/>
           <a:lstStyle/>
           <a:p>
-            <a:r>
+            <a:fld id="{DE0AC89D-2CC8-7C48-9BF9-AF6EBF35E4D6}" type="datetime1">
               <a:rPr lang="en-US" smtClean="0"/>
-              <a:t>01/05/16</a:t>
-            </a:r>
+              <a:t>1/2/17</a:t>
+            </a:fld>
             <a:endParaRPr lang="en-US" dirty="0"/>
           </a:p>
         </p:txBody>
@@ -10521,10 +10701,10 @@
           <a:bodyPr/>
           <a:lstStyle/>
           <a:p>
-            <a:r>
+            <a:fld id="{6E2FEEDE-66E5-0145-B12B-B52B3D3C257F}" type="datetime1">
               <a:rPr lang="en-US" smtClean="0"/>
-              <a:t>01/05/16</a:t>
-            </a:r>
+              <a:t>1/2/17</a:t>
+            </a:fld>
             <a:endParaRPr lang="en-US" dirty="0"/>
           </a:p>
         </p:txBody>
@@ -10820,8 +11000,8 @@
         </p:blipFill>
         <p:spPr>
           <a:xfrm>
-            <a:off x="1351280" y="3172038"/>
-            <a:ext cx="2836948" cy="2697056"/>
+            <a:off x="1351280" y="3424373"/>
+            <a:ext cx="2836948" cy="2192386"/>
           </a:xfrm>
           <a:prstGeom prst="rect">
             <a:avLst/>
@@ -10917,150 +11097,141 @@
           </a:p>
         </p:txBody>
       </p:sp>
-      <p:grpSp>
-        <p:nvGrpSpPr>
-          <p:cNvPr id="6" name="Group 5"/>
-          <p:cNvGrpSpPr/>
+      <p:sp>
+        <p:nvSpPr>
+          <p:cNvPr id="8" name="TextBox 7"/>
+          <p:cNvSpPr txBox="1"/>
           <p:nvPr/>
-        </p:nvGrpSpPr>
-        <p:grpSpPr>
+        </p:nvSpPr>
+        <p:spPr>
+          <a:xfrm>
+            <a:off x="6188242" y="3150004"/>
+            <a:ext cx="3425233" cy="646331"/>
+          </a:xfrm>
+          <a:prstGeom prst="rect">
+            <a:avLst/>
+          </a:prstGeom>
+          <a:noFill/>
+        </p:spPr>
+        <p:txBody>
+          <a:bodyPr wrap="none" rtlCol="0">
+            <a:spAutoFit/>
+          </a:bodyPr>
+          <a:lstStyle/>
+          <a:p>
+            <a:r>
+              <a:rPr lang="en-US" b="1" dirty="0" smtClean="0"/>
+              <a:t>CMPT </a:t>
+            </a:r>
+            <a:r>
+              <a:rPr lang="en-US" b="1" dirty="0"/>
+              <a:t>732. </a:t>
+            </a:r>
+            <a:r>
+              <a:rPr lang="en-US" b="1" dirty="0">
+                <a:hlinkClick r:id="rId4"/>
+              </a:rPr>
+              <a:t>http://</a:t>
+            </a:r>
+            <a:r>
+              <a:rPr lang="en-US" b="1" dirty="0" err="1">
+                <a:hlinkClick r:id="rId4"/>
+              </a:rPr>
+              <a:t>bit.ly</a:t>
+            </a:r>
+            <a:r>
+              <a:rPr lang="en-US" b="1" dirty="0">
+                <a:hlinkClick r:id="rId4"/>
+              </a:rPr>
+              <a:t>/2iaNKuT</a:t>
+            </a:r>
+            <a:endParaRPr lang="en-US" b="1" dirty="0" smtClean="0"/>
+          </a:p>
+          <a:p>
+            <a:r>
+              <a:rPr lang="en-US" b="1" dirty="0" smtClean="0"/>
+              <a:t> </a:t>
+            </a:r>
+            <a:endParaRPr lang="en-US" b="1" dirty="0"/>
+          </a:p>
+        </p:txBody>
+      </p:sp>
+      <p:pic>
+        <p:nvPicPr>
+          <p:cNvPr id="9" name="Picture 8"/>
+          <p:cNvPicPr>
+            <a:picLocks noChangeAspect="1"/>
+          </p:cNvPicPr>
+          <p:nvPr/>
+        </p:nvPicPr>
+        <p:blipFill>
+          <a:blip r:embed="rId5">
+            <a:extLst>
+              <a:ext uri="{28A0092B-C50C-407E-A947-70E740481C1C}">
+                <a14:useLocalDpi xmlns:a14="http://schemas.microsoft.com/office/drawing/2010/main" val="0"/>
+              </a:ext>
+            </a:extLst>
+          </a:blip>
+          <a:stretch>
+            <a:fillRect/>
+          </a:stretch>
+        </p:blipFill>
+        <p:spPr>
+          <a:xfrm>
+            <a:off x="6510059" y="3561533"/>
+            <a:ext cx="3390399" cy="2287664"/>
+          </a:xfrm>
+          <a:prstGeom prst="rect">
+            <a:avLst/>
+          </a:prstGeom>
+        </p:spPr>
+      </p:pic>
+      <p:sp>
+        <p:nvSpPr>
+          <p:cNvPr id="10" name="Rectangle 9"/>
+          <p:cNvSpPr/>
+          <p:nvPr/>
+        </p:nvSpPr>
+        <p:spPr>
           <a:xfrm>
             <a:off x="6000750" y="3119544"/>
             <a:ext cx="4903470" cy="2709756"/>
-            <a:chOff x="6000750" y="3119544"/>
-            <a:chExt cx="4903470" cy="2709756"/>
           </a:xfrm>
-        </p:grpSpPr>
-        <p:sp>
-          <p:nvSpPr>
-            <p:cNvPr id="8" name="TextBox 7"/>
-            <p:cNvSpPr txBox="1"/>
-            <p:nvPr/>
-          </p:nvSpPr>
-          <p:spPr>
-            <a:xfrm>
-              <a:off x="6126480" y="3174909"/>
-              <a:ext cx="3425233" cy="646331"/>
-            </a:xfrm>
-            <a:prstGeom prst="rect">
-              <a:avLst/>
-            </a:prstGeom>
-            <a:noFill/>
-          </p:spPr>
-          <p:txBody>
-            <a:bodyPr wrap="none" rtlCol="0">
-              <a:spAutoFit/>
-            </a:bodyPr>
-            <a:lstStyle/>
-            <a:p>
-              <a:r>
-                <a:rPr lang="en-US" b="1" dirty="0" smtClean="0"/>
-                <a:t>CMPT </a:t>
-              </a:r>
-              <a:r>
-                <a:rPr lang="en-US" b="1" dirty="0"/>
-                <a:t>732. </a:t>
-              </a:r>
-              <a:r>
-                <a:rPr lang="en-US" b="1" dirty="0">
-                  <a:hlinkClick r:id="rId4"/>
-                </a:rPr>
-                <a:t>http://</a:t>
-              </a:r>
-              <a:r>
-                <a:rPr lang="en-US" b="1" dirty="0" smtClean="0">
-                  <a:hlinkClick r:id="rId4"/>
-                </a:rPr>
-                <a:t>bit.ly/CMPT732</a:t>
-              </a:r>
-              <a:endParaRPr lang="en-US" b="1" dirty="0" smtClean="0"/>
-            </a:p>
-            <a:p>
-              <a:r>
-                <a:rPr lang="en-US" b="1" dirty="0" smtClean="0"/>
-                <a:t> </a:t>
-              </a:r>
-              <a:endParaRPr lang="en-US" b="1" dirty="0"/>
-            </a:p>
-          </p:txBody>
-        </p:sp>
-        <p:pic>
-          <p:nvPicPr>
-            <p:cNvPr id="9" name="Picture 8"/>
-            <p:cNvPicPr>
-              <a:picLocks noChangeAspect="1"/>
-            </p:cNvPicPr>
-            <p:nvPr/>
-          </p:nvPicPr>
-          <p:blipFill>
-            <a:blip r:embed="rId5">
-              <a:extLst>
-                <a:ext uri="{28A0092B-C50C-407E-A947-70E740481C1C}">
-                  <a14:useLocalDpi xmlns:a14="http://schemas.microsoft.com/office/drawing/2010/main" val="0"/>
-                </a:ext>
-              </a:extLst>
-            </a:blip>
-            <a:stretch>
-              <a:fillRect/>
-            </a:stretch>
-          </p:blipFill>
-          <p:spPr>
-            <a:xfrm>
-              <a:off x="6000750" y="3590351"/>
-              <a:ext cx="4141470" cy="1955694"/>
-            </a:xfrm>
-            <a:prstGeom prst="rect">
-              <a:avLst/>
-            </a:prstGeom>
-          </p:spPr>
-        </p:pic>
-        <p:sp>
-          <p:nvSpPr>
-            <p:cNvPr id="10" name="Rectangle 9"/>
-            <p:cNvSpPr/>
-            <p:nvPr/>
-          </p:nvSpPr>
-          <p:spPr>
-            <a:xfrm>
-              <a:off x="6000750" y="3119544"/>
-              <a:ext cx="4903470" cy="2709756"/>
-            </a:xfrm>
-            <a:prstGeom prst="rect">
-              <a:avLst/>
-            </a:prstGeom>
-            <a:noFill/>
-            <a:ln>
-              <a:solidFill>
-                <a:schemeClr val="tx1"/>
-              </a:solidFill>
-            </a:ln>
-          </p:spPr>
-          <p:style>
-            <a:lnRef idx="2">
-              <a:schemeClr val="accent1">
-                <a:shade val="50000"/>
-              </a:schemeClr>
-            </a:lnRef>
-            <a:fillRef idx="1">
-              <a:schemeClr val="accent1"/>
-            </a:fillRef>
-            <a:effectRef idx="0">
-              <a:schemeClr val="accent1"/>
-            </a:effectRef>
-            <a:fontRef idx="minor">
-              <a:schemeClr val="lt1"/>
-            </a:fontRef>
-          </p:style>
-          <p:txBody>
-            <a:bodyPr rtlCol="0" anchor="ctr"/>
-            <a:lstStyle/>
-            <a:p>
-              <a:pPr algn="ctr"/>
-              <a:endParaRPr lang="en-US"/>
-            </a:p>
-          </p:txBody>
-        </p:sp>
-      </p:grpSp>
+          <a:prstGeom prst="rect">
+            <a:avLst/>
+          </a:prstGeom>
+          <a:noFill/>
+          <a:ln>
+            <a:solidFill>
+              <a:schemeClr val="tx1"/>
+            </a:solidFill>
+          </a:ln>
+        </p:spPr>
+        <p:style>
+          <a:lnRef idx="2">
+            <a:schemeClr val="accent1">
+              <a:shade val="50000"/>
+            </a:schemeClr>
+          </a:lnRef>
+          <a:fillRef idx="1">
+            <a:schemeClr val="accent1"/>
+          </a:fillRef>
+          <a:effectRef idx="0">
+            <a:schemeClr val="accent1"/>
+          </a:effectRef>
+          <a:fontRef idx="minor">
+            <a:schemeClr val="lt1"/>
+          </a:fontRef>
+        </p:style>
+        <p:txBody>
+          <a:bodyPr rtlCol="0" anchor="ctr"/>
+          <a:lstStyle/>
+          <a:p>
+            <a:pPr algn="ctr"/>
+            <a:endParaRPr lang="en-US"/>
+          </a:p>
+        </p:txBody>
+      </p:sp>
       <p:sp>
         <p:nvSpPr>
           <p:cNvPr id="11" name="Date Placeholder 10"/>
@@ -11076,10 +11247,10 @@
           <a:bodyPr/>
           <a:lstStyle/>
           <a:p>
-            <a:r>
+            <a:fld id="{5D2533F7-3ADF-0B41-B7D7-24DC4FDAECF6}" type="datetime1">
               <a:rPr lang="en-US" smtClean="0"/>
-              <a:t>01/05/16</a:t>
-            </a:r>
+              <a:t>1/2/17</a:t>
+            </a:fld>
             <a:endParaRPr lang="en-US" dirty="0"/>
           </a:p>
         </p:txBody>
@@ -11247,33 +11418,6 @@
                                         </p:cTn>
                                         <p:tgtEl>
                                           <p:spTgt spid="7"/>
-                                        </p:tgtEl>
-                                        <p:attrNameLst>
-                                          <p:attrName>style.visibility</p:attrName>
-                                        </p:attrNameLst>
-                                      </p:cBhvr>
-                                      <p:to>
-                                        <p:strVal val="visible"/>
-                                      </p:to>
-                                    </p:set>
-                                  </p:childTnLst>
-                                </p:cTn>
-                              </p:par>
-                              <p:par>
-                                <p:cTn id="13" presetID="1" presetClass="entr" presetSubtype="0" fill="hold" nodeType="withEffect">
-                                  <p:stCondLst>
-                                    <p:cond delay="0"/>
-                                  </p:stCondLst>
-                                  <p:childTnLst>
-                                    <p:set>
-                                      <p:cBhvr>
-                                        <p:cTn id="14" dur="1" fill="hold">
-                                          <p:stCondLst>
-                                            <p:cond delay="0"/>
-                                          </p:stCondLst>
-                                        </p:cTn>
-                                        <p:tgtEl>
-                                          <p:spTgt spid="6"/>
                                         </p:tgtEl>
                                         <p:attrNameLst>
                                           <p:attrName>style.visibility</p:attrName>
@@ -11689,10 +11833,10 @@
           <a:bodyPr/>
           <a:lstStyle/>
           <a:p>
-            <a:r>
+            <a:fld id="{82356F4E-4F18-E940-879C-9F4C12ED1430}" type="datetime1">
               <a:rPr lang="en-US" smtClean="0"/>
-              <a:t>01/05/16</a:t>
-            </a:r>
+              <a:t>1/2/17</a:t>
+            </a:fld>
             <a:endParaRPr lang="en-US" dirty="0"/>
           </a:p>
         </p:txBody>
@@ -13072,10 +13216,10 @@
           <a:bodyPr/>
           <a:lstStyle/>
           <a:p>
-            <a:r>
+            <a:fld id="{08D141D1-139A-1E4F-9281-F8D6CA2F3A34}" type="datetime1">
               <a:rPr lang="en-US" smtClean="0"/>
-              <a:t>01/05/16</a:t>
-            </a:r>
+              <a:t>1/2/17</a:t>
+            </a:fld>
             <a:endParaRPr lang="en-US" dirty="0"/>
           </a:p>
         </p:txBody>
@@ -13574,7 +13718,7 @@
                   </a:srgbClr>
                 </a:solidFill>
               </a:rPr>
-              <a:t>Spark (</a:t>
+              <a:t>Spark </a:t>
             </a:r>
             <a:r>
               <a:rPr lang="en-US" altLang="zh-CN" dirty="0" err="1" smtClean="0">
@@ -13597,28 +13741,6 @@
                 </a:solidFill>
               </a:rPr>
               <a:t>, </a:t>
-            </a:r>
-            <a:r>
-              <a:rPr lang="en-US" altLang="zh-CN" dirty="0" err="1" smtClean="0">
-                <a:solidFill>
-                  <a:srgbClr val="000000">
-                    <a:lumMod val="75000"/>
-                    <a:lumOff val="25000"/>
-                  </a:srgbClr>
-                </a:solidFill>
-              </a:rPr>
-              <a:t>GraphX</a:t>
-            </a:r>
-            <a:r>
-              <a:rPr lang="en-US" altLang="zh-CN" dirty="0" smtClean="0">
-                <a:solidFill>
-                  <a:srgbClr val="000000">
-                    <a:lumMod val="75000"/>
-                    <a:lumOff val="25000"/>
-                  </a:srgbClr>
-                </a:solidFill>
-              </a:rPr>
-              <a:t>, Streaming), </a:t>
             </a:r>
             <a:r>
               <a:rPr lang="en-US" altLang="zh-CN" dirty="0" err="1" smtClean="0">
@@ -13829,10 +13951,10 @@
           <a:bodyPr/>
           <a:lstStyle/>
           <a:p>
-            <a:r>
+            <a:fld id="{64FD14CB-3317-5D4B-839A-BE78293DA763}" type="datetime1">
               <a:rPr lang="en-US" smtClean="0"/>
-              <a:t>01/05/16</a:t>
-            </a:r>
+              <a:t>1/2/17</a:t>
+            </a:fld>
             <a:endParaRPr lang="en-US" dirty="0"/>
           </a:p>
         </p:txBody>

--- a/Lectures/Lec1/lec1-1.pptx
+++ b/Lectures/Lec1/lec1-1.pptx
@@ -210,7 +210,7 @@
           <a:p>
             <a:fld id="{5D1E261F-8C98-8744-8E35-D8BB142E7BA1}" type="datetimeFigureOut">
               <a:rPr lang="en-US" smtClean="0"/>
-              <a:t>1/2/17</a:t>
+              <a:t>1/4/17</a:t>
             </a:fld>
             <a:endParaRPr lang="en-US"/>
           </a:p>
@@ -1652,7 +1652,7 @@
           <a:p>
             <a:fld id="{B46E5899-C7BE-D143-81F6-00D643E8F2FC}" type="datetime1">
               <a:rPr lang="en-US" smtClean="0"/>
-              <a:t>1/2/17</a:t>
+              <a:t>1/4/17</a:t>
             </a:fld>
             <a:endParaRPr lang="en-US" dirty="0"/>
           </a:p>
@@ -1859,7 +1859,7 @@
           <a:p>
             <a:fld id="{03CE3EED-A376-2945-9C94-44650EF9653D}" type="datetime1">
               <a:rPr lang="en-US" smtClean="0"/>
-              <a:t>1/2/17</a:t>
+              <a:t>1/4/17</a:t>
             </a:fld>
             <a:endParaRPr lang="en-US" dirty="0"/>
           </a:p>
@@ -2114,7 +2114,7 @@
           <a:p>
             <a:fld id="{C4BDA96D-B248-6642-978B-C5AE17C79E52}" type="datetime1">
               <a:rPr lang="en-US" smtClean="0"/>
-              <a:t>1/2/17</a:t>
+              <a:t>1/4/17</a:t>
             </a:fld>
             <a:endParaRPr lang="en-US" dirty="0"/>
           </a:p>
@@ -2307,7 +2307,7 @@
           <a:p>
             <a:fld id="{D344859B-B420-0444-9FC9-448941C5B82A}" type="datetime1">
               <a:rPr lang="en-US" smtClean="0"/>
-              <a:t>1/2/17</a:t>
+              <a:t>1/4/17</a:t>
             </a:fld>
             <a:endParaRPr lang="en-US" dirty="0"/>
           </a:p>
@@ -2656,7 +2656,7 @@
           <a:p>
             <a:fld id="{85A93AC7-17EC-B349-8097-3994DDA73642}" type="datetime1">
               <a:rPr lang="en-US" smtClean="0"/>
-              <a:t>1/2/17</a:t>
+              <a:t>1/4/17</a:t>
             </a:fld>
             <a:endParaRPr lang="en-US" dirty="0"/>
           </a:p>
@@ -2930,7 +2930,7 @@
           <a:p>
             <a:fld id="{B55E91CC-B908-EE49-B99C-D7F6B7832123}" type="datetime1">
               <a:rPr lang="en-US" smtClean="0"/>
-              <a:t>1/2/17</a:t>
+              <a:t>1/4/17</a:t>
             </a:fld>
             <a:endParaRPr lang="en-US" dirty="0"/>
           </a:p>
@@ -3308,7 +3308,7 @@
           <a:p>
             <a:fld id="{867A7BD0-CF2F-8044-9A90-3AC4EF516A1F}" type="datetime1">
               <a:rPr lang="en-US" smtClean="0"/>
-              <a:t>1/2/17</a:t>
+              <a:t>1/4/17</a:t>
             </a:fld>
             <a:endParaRPr lang="en-US" dirty="0"/>
           </a:p>
@@ -3425,7 +3425,7 @@
           <a:p>
             <a:fld id="{646392AA-2B27-894F-9A45-7D6FC82C2A84}" type="datetime1">
               <a:rPr lang="en-US" smtClean="0"/>
-              <a:t>1/2/17</a:t>
+              <a:t>1/4/17</a:t>
             </a:fld>
             <a:endParaRPr lang="en-US" dirty="0"/>
           </a:p>
@@ -3595,7 +3595,7 @@
           <a:p>
             <a:fld id="{C7CE22E0-FB70-5B4C-81ED-D1C86C0DB183}" type="datetime1">
               <a:rPr lang="en-US" smtClean="0"/>
-              <a:t>1/2/17</a:t>
+              <a:t>1/4/17</a:t>
             </a:fld>
             <a:endParaRPr lang="en-US" dirty="0"/>
           </a:p>
@@ -3949,7 +3949,7 @@
           <a:p>
             <a:fld id="{7578953B-8C84-A145-9B05-4ACF7B871A3B}" type="datetime1">
               <a:rPr lang="en-US" smtClean="0"/>
-              <a:t>1/2/17</a:t>
+              <a:t>1/4/17</a:t>
             </a:fld>
             <a:endParaRPr lang="en-US" dirty="0"/>
           </a:p>
@@ -4331,7 +4331,7 @@
           <a:p>
             <a:fld id="{BBC258C8-3379-9F4D-B8DB-95BBECAE90BD}" type="datetime1">
               <a:rPr lang="en-US" smtClean="0"/>
-              <a:t>1/2/17</a:t>
+              <a:t>1/4/17</a:t>
             </a:fld>
             <a:endParaRPr lang="en-US" dirty="0"/>
           </a:p>
@@ -4617,7 +4617,7 @@
           <a:p>
             <a:fld id="{FBB2A8F5-4BF8-8549-B5CF-97DE397F4134}" type="datetime1">
               <a:rPr lang="en-US" smtClean="0"/>
-              <a:t>1/2/17</a:t>
+              <a:t>1/4/17</a:t>
             </a:fld>
             <a:endParaRPr lang="en-US" dirty="0"/>
           </a:p>
@@ -5826,7 +5826,7 @@
           <a:p>
             <a:fld id="{FC9E3A43-AC7E-3F45-AE75-74CDB54BC34C}" type="datetime1">
               <a:rPr lang="en-US" smtClean="0"/>
-              <a:t>1/2/17</a:t>
+              <a:t>1/4/17</a:t>
             </a:fld>
             <a:endParaRPr lang="en-US" dirty="0"/>
           </a:p>
@@ -6847,7 +6847,7 @@
           <a:p>
             <a:fld id="{6441C24B-AB34-F140-BE68-93DD409A8392}" type="datetime1">
               <a:rPr lang="en-US" smtClean="0"/>
-              <a:t>1/2/17</a:t>
+              <a:t>1/4/17</a:t>
             </a:fld>
             <a:endParaRPr lang="en-US" dirty="0"/>
           </a:p>
@@ -7572,7 +7572,7 @@
           <a:p>
             <a:fld id="{652BA6F7-62C2-A245-8A25-968A77867D9B}" type="datetime1">
               <a:rPr lang="en-US" smtClean="0"/>
-              <a:t>1/2/17</a:t>
+              <a:t>1/4/17</a:t>
             </a:fld>
             <a:endParaRPr lang="en-US" dirty="0"/>
           </a:p>
@@ -8709,7 +8709,7 @@
           <a:p>
             <a:fld id="{C0AB0E03-D4E6-6C43-A5EB-630BAAE126B9}" type="datetime1">
               <a:rPr lang="en-US" smtClean="0"/>
-              <a:t>1/2/17</a:t>
+              <a:t>1/4/17</a:t>
             </a:fld>
             <a:endParaRPr lang="en-US" dirty="0"/>
           </a:p>
@@ -9907,7 +9907,7 @@
           <a:p>
             <a:fld id="{DE0AC89D-2CC8-7C48-9BF9-AF6EBF35E4D6}" type="datetime1">
               <a:rPr lang="en-US" smtClean="0"/>
-              <a:t>1/2/17</a:t>
+              <a:t>1/4/17</a:t>
             </a:fld>
             <a:endParaRPr lang="en-US" dirty="0"/>
           </a:p>
@@ -10703,7 +10703,7 @@
           <a:p>
             <a:fld id="{6E2FEEDE-66E5-0145-B12B-B52B3D3C257F}" type="datetime1">
               <a:rPr lang="en-US" smtClean="0"/>
-              <a:t>1/2/17</a:t>
+              <a:t>1/4/17</a:t>
             </a:fld>
             <a:endParaRPr lang="en-US" dirty="0"/>
           </a:p>
@@ -11249,7 +11249,7 @@
           <a:p>
             <a:fld id="{5D2533F7-3ADF-0B41-B7D7-24DC4FDAECF6}" type="datetime1">
               <a:rPr lang="en-US" smtClean="0"/>
-              <a:t>1/2/17</a:t>
+              <a:t>1/4/17</a:t>
             </a:fld>
             <a:endParaRPr lang="en-US" dirty="0"/>
           </a:p>
@@ -11835,7 +11835,7 @@
           <a:p>
             <a:fld id="{82356F4E-4F18-E940-879C-9F4C12ED1430}" type="datetime1">
               <a:rPr lang="en-US" smtClean="0"/>
-              <a:t>1/2/17</a:t>
+              <a:t>1/4/17</a:t>
             </a:fld>
             <a:endParaRPr lang="en-US" dirty="0"/>
           </a:p>
@@ -11972,7 +11972,7 @@
             </a:pPr>
             <a:r>
               <a:rPr lang="en-US" altLang="zh-CN" dirty="0" smtClean="0"/>
-              <a:t>in</a:t>
+              <a:t>this</a:t>
             </a:r>
             <a:r>
               <a:rPr lang="zh-CN" altLang="en-US" dirty="0" smtClean="0"/>
@@ -11980,14 +11980,14 @@
             </a:r>
             <a:r>
               <a:rPr lang="en-US" altLang="zh-CN" dirty="0" smtClean="0"/>
-              <a:t>2015</a:t>
-            </a:r>
-            <a:r>
-              <a:rPr lang="en-US" altLang="zh-CN" dirty="0"/>
+              <a:t>year</a:t>
+            </a:r>
+            <a:r>
+              <a:rPr lang="en-US" altLang="zh-CN" dirty="0" smtClean="0"/>
               <a:t>?</a:t>
             </a:r>
             <a:r>
-              <a:rPr lang="zh-CN" altLang="en-US" dirty="0"/>
+              <a:rPr lang="zh-CN" altLang="en-US" dirty="0" smtClean="0"/>
               <a:t> </a:t>
             </a:r>
             <a:endParaRPr lang="en-US" dirty="0"/>
@@ -12082,19 +12082,19 @@
               <a:defRPr/>
             </a:pPr>
             <a:r>
-              <a:rPr lang="en-US" altLang="zh-CN" dirty="0" smtClean="0"/>
-              <a:t>in</a:t>
-            </a:r>
-            <a:r>
-              <a:rPr lang="zh-CN" altLang="en-US" dirty="0" smtClean="0"/>
-              <a:t> </a:t>
-            </a:r>
-            <a:r>
-              <a:rPr lang="en-US" altLang="zh-CN" dirty="0"/>
-              <a:t>2016?</a:t>
-            </a:r>
-            <a:r>
-              <a:rPr lang="zh-CN" altLang="en-US" dirty="0"/>
+              <a:rPr lang="en-US" altLang="zh-CN" smtClean="0"/>
+              <a:t>next</a:t>
+            </a:r>
+            <a:r>
+              <a:rPr lang="zh-CN" altLang="en-US" smtClean="0"/>
+              <a:t> </a:t>
+            </a:r>
+            <a:r>
+              <a:rPr lang="en-US" altLang="zh-CN" smtClean="0"/>
+              <a:t>year?</a:t>
+            </a:r>
+            <a:r>
+              <a:rPr lang="zh-CN" altLang="en-US" smtClean="0"/>
               <a:t> </a:t>
             </a:r>
             <a:endParaRPr lang="en-US" dirty="0"/>
@@ -13218,7 +13218,7 @@
           <a:p>
             <a:fld id="{08D141D1-139A-1E4F-9281-F8D6CA2F3A34}" type="datetime1">
               <a:rPr lang="en-US" smtClean="0"/>
-              <a:t>1/2/17</a:t>
+              <a:t>1/4/17</a:t>
             </a:fld>
             <a:endParaRPr lang="en-US" dirty="0"/>
           </a:p>
@@ -13953,7 +13953,7 @@
           <a:p>
             <a:fld id="{64FD14CB-3317-5D4B-839A-BE78293DA763}" type="datetime1">
               <a:rPr lang="en-US" smtClean="0"/>
-              <a:t>1/2/17</a:t>
+              <a:t>1/4/17</a:t>
             </a:fld>
             <a:endParaRPr lang="en-US" dirty="0"/>
           </a:p>
